--- a/data_detective.pptx
+++ b/data_detective.pptx
@@ -7,6 +7,8 @@
   <p:sldIdLst>
     <p:sldId id="256" r:id="rId2"/>
     <p:sldId id="257" r:id="rId3"/>
+    <p:sldId id="258" r:id="rId4"/>
+    <p:sldId id="260" r:id="rId5"/>
   </p:sldIdLst>
   <p:sldSz cx="12192000" cy="6858000"/>
   <p:notesSz cx="6858000" cy="9144000"/>
@@ -6254,11 +6256,7 @@
           <a:p>
             <a:r>
               <a:rPr lang="en-US" sz="2400" dirty="0"/>
-              <a:t> forecasting that which blood camp will give more good donors at a particular time duration. </a:t>
-            </a:r>
-            <a:r>
-              <a:rPr lang="en-US" sz="2400"/>
-              <a:t>(pitch)</a:t>
+              <a:t> forecasting that which blood camp will give more good donors at a particular time duration. (pitch)</a:t>
             </a:r>
             <a:endParaRPr lang="en-PK" sz="2400" dirty="0"/>
           </a:p>
@@ -6268,6 +6266,204 @@
     <p:extLst>
       <p:ext uri="{BB962C8B-B14F-4D97-AF65-F5344CB8AC3E}">
         <p14:creationId xmlns:p14="http://schemas.microsoft.com/office/powerpoint/2010/main" val="2227179002"/>
+      </p:ext>
+    </p:extLst>
+  </p:cSld>
+  <p:clrMapOvr>
+    <a:masterClrMapping/>
+  </p:clrMapOvr>
+</p:sld>
+</file>
+
+<file path=ppt/slides/slide3.xml><?xml version="1.0" encoding="utf-8"?>
+<p:sld xmlns:a="http://schemas.openxmlformats.org/drawingml/2006/main" xmlns:r="http://schemas.openxmlformats.org/officeDocument/2006/relationships" xmlns:p="http://schemas.openxmlformats.org/presentationml/2006/main">
+  <p:cSld>
+    <p:spTree>
+      <p:nvGrpSpPr>
+        <p:cNvPr id="1" name=""/>
+        <p:cNvGrpSpPr/>
+        <p:nvPr/>
+      </p:nvGrpSpPr>
+      <p:grpSpPr>
+        <a:xfrm>
+          <a:off x="0" y="0"/>
+          <a:ext cx="0" cy="0"/>
+          <a:chOff x="0" y="0"/>
+          <a:chExt cx="0" cy="0"/>
+        </a:xfrm>
+      </p:grpSpPr>
+      <p:sp>
+        <p:nvSpPr>
+          <p:cNvPr id="2" name="Title 1"/>
+          <p:cNvSpPr>
+            <a:spLocks noGrp="1"/>
+          </p:cNvSpPr>
+          <p:nvPr>
+            <p:ph type="title"/>
+          </p:nvPr>
+        </p:nvSpPr>
+        <p:spPr/>
+        <p:txBody>
+          <a:bodyPr>
+            <a:normAutofit fontScale="90000"/>
+          </a:bodyPr>
+          <a:lstStyle/>
+          <a:p>
+            <a:r>
+              <a:rPr lang="en-US" dirty="0" smtClean="0"/>
+              <a:t>Forecast Positive donors age wise</a:t>
+            </a:r>
+            <a:endParaRPr lang="en-US" dirty="0"/>
+          </a:p>
+        </p:txBody>
+      </p:sp>
+      <p:sp>
+        <p:nvSpPr>
+          <p:cNvPr id="3" name="Content Placeholder 2"/>
+          <p:cNvSpPr>
+            <a:spLocks noGrp="1"/>
+          </p:cNvSpPr>
+          <p:nvPr>
+            <p:ph sz="quarter" idx="13"/>
+          </p:nvPr>
+        </p:nvSpPr>
+        <p:spPr>
+          <a:xfrm>
+            <a:off x="685801" y="2063396"/>
+            <a:ext cx="5284076" cy="3311189"/>
+          </a:xfrm>
+        </p:spPr>
+        <p:txBody>
+          <a:bodyPr/>
+          <a:lstStyle/>
+          <a:p>
+            <a:pPr marL="0" indent="0">
+              <a:buNone/>
+            </a:pPr>
+            <a:r>
+              <a:rPr lang="en-US" dirty="0" smtClean="0"/>
+              <a:t>In case of less resources w.r.t screening process the blood bank will know which age group will be most beneficial for them.</a:t>
+            </a:r>
+            <a:endParaRPr lang="en-US" dirty="0"/>
+          </a:p>
+        </p:txBody>
+      </p:sp>
+    </p:spTree>
+    <p:extLst>
+      <p:ext uri="{BB962C8B-B14F-4D97-AF65-F5344CB8AC3E}">
+        <p14:creationId xmlns:p14="http://schemas.microsoft.com/office/powerpoint/2010/main" val="3462675890"/>
+      </p:ext>
+    </p:extLst>
+  </p:cSld>
+  <p:clrMapOvr>
+    <a:masterClrMapping/>
+  </p:clrMapOvr>
+</p:sld>
+</file>
+
+<file path=ppt/slides/slide4.xml><?xml version="1.0" encoding="utf-8"?>
+<p:sld xmlns:a="http://schemas.openxmlformats.org/drawingml/2006/main" xmlns:r="http://schemas.openxmlformats.org/officeDocument/2006/relationships" xmlns:p="http://schemas.openxmlformats.org/presentationml/2006/main">
+  <p:cSld>
+    <p:spTree>
+      <p:nvGrpSpPr>
+        <p:cNvPr id="1" name=""/>
+        <p:cNvGrpSpPr/>
+        <p:nvPr/>
+      </p:nvGrpSpPr>
+      <p:grpSpPr>
+        <a:xfrm>
+          <a:off x="0" y="0"/>
+          <a:ext cx="0" cy="0"/>
+          <a:chOff x="0" y="0"/>
+          <a:chExt cx="0" cy="0"/>
+        </a:xfrm>
+      </p:grpSpPr>
+      <p:sp>
+        <p:nvSpPr>
+          <p:cNvPr id="2" name="Title 1"/>
+          <p:cNvSpPr>
+            <a:spLocks noGrp="1"/>
+          </p:cNvSpPr>
+          <p:nvPr>
+            <p:ph type="title"/>
+          </p:nvPr>
+        </p:nvSpPr>
+        <p:spPr/>
+        <p:txBody>
+          <a:bodyPr>
+            <a:normAutofit fontScale="90000"/>
+          </a:bodyPr>
+          <a:lstStyle/>
+          <a:p>
+            <a:r>
+              <a:rPr lang="en-US" dirty="0" smtClean="0"/>
+              <a:t>Summary statistics by </a:t>
+            </a:r>
+            <a:r>
+              <a:rPr lang="en-US" dirty="0" err="1" smtClean="0"/>
+              <a:t>arima</a:t>
+            </a:r>
+            <a:r>
+              <a:rPr lang="en-US" dirty="0" smtClean="0"/>
+              <a:t> model</a:t>
+            </a:r>
+            <a:endParaRPr lang="en-US" dirty="0"/>
+          </a:p>
+        </p:txBody>
+      </p:sp>
+      <p:sp>
+        <p:nvSpPr>
+          <p:cNvPr id="3" name="Content Placeholder 2"/>
+          <p:cNvSpPr>
+            <a:spLocks noGrp="1"/>
+          </p:cNvSpPr>
+          <p:nvPr>
+            <p:ph sz="quarter" idx="13"/>
+          </p:nvPr>
+        </p:nvSpPr>
+        <p:spPr>
+          <a:xfrm>
+            <a:off x="685800" y="2063396"/>
+            <a:ext cx="4758559" cy="3311189"/>
+          </a:xfrm>
+        </p:spPr>
+        <p:txBody>
+          <a:bodyPr/>
+          <a:lstStyle/>
+          <a:p>
+            <a:r>
+              <a:rPr lang="en-US" dirty="0" smtClean="0"/>
+              <a:t>We have prepared Summary </a:t>
+            </a:r>
+            <a:r>
+              <a:rPr lang="en-US" dirty="0"/>
+              <a:t>statistics by </a:t>
+            </a:r>
+            <a:r>
+              <a:rPr lang="en-US" dirty="0" err="1"/>
+              <a:t>arima</a:t>
+            </a:r>
+            <a:r>
+              <a:rPr lang="en-US" dirty="0"/>
+              <a:t> </a:t>
+            </a:r>
+            <a:r>
+              <a:rPr lang="en-US" dirty="0" smtClean="0"/>
+              <a:t>model</a:t>
+            </a:r>
+          </a:p>
+          <a:p>
+            <a:r>
+              <a:rPr lang="en-US" dirty="0"/>
+              <a:t>No. of positive donors over yearly time frame</a:t>
+            </a:r>
+          </a:p>
+        </p:txBody>
+      </p:sp>
+    </p:spTree>
+    <p:extLst>
+      <p:ext uri="{BB962C8B-B14F-4D97-AF65-F5344CB8AC3E}">
+        <p14:creationId xmlns:p14="http://schemas.microsoft.com/office/powerpoint/2010/main" val="2485190588"/>
       </p:ext>
     </p:extLst>
   </p:cSld>
